--- a/[화목]스크립트_김병민_양승지.pptx
+++ b/[화목]스크립트_김병민_양승지.pptx
@@ -3668,68 +3668,6 @@
           </a:fontRef>
         </p:style>
       </p:cxnSp>
-      <p:sp>
-        <p:nvSpPr>
-          <p:cNvPr id="4" name="slide2_shape2"/>
-          <p:cNvSpPr/>
-          <p:nvPr/>
-        </p:nvSpPr>
-        <p:spPr>
-          <a:xfrm>
-            <a:off x="2137275" y="6337895"/>
-            <a:ext cx="657552" cy="230832"/>
-          </a:xfrm>
-          <a:prstGeom prst="rect">
-            <a:avLst/>
-          </a:prstGeom>
-        </p:spPr>
-        <p:txBody>
-          <a:bodyPr wrap="none">
-            <a:spAutoFit/>
-          </a:bodyPr>
-          <a:lstStyle/>
-          <a:p>
-            <a:pPr marL="0" lvl="0" algn="l" defTabSz="914400" latinLnBrk="1"/>
-            <a:r>
-              <a:rPr lang="en-US" sz="900" kern="1200" dirty="0" err="1">
-                <a:gradFill>
-                  <a:gsLst>
-                    <a:gs pos="0">
-                      <a:srgbClr val="FFFFFF"/>
-                    </a:gs>
-                    <a:gs pos="100000">
-                      <a:srgbClr val="FFFFFF"/>
-                    </a:gs>
-                  </a:gsLst>
-                  <a:lin ang="5400000" scaled="1"/>
-                  <a:tileRect/>
-                </a:gradFill>
-                <a:latin typeface="나눔고딕"/>
-                <a:ea typeface="나눔고딕"/>
-                <a:cs typeface="+mn-cs"/>
-              </a:rPr>
-              <a:t>OpenAPI</a:t>
-            </a:r>
-            <a:endParaRPr sz="900" kern="1200">
-              <a:gradFill>
-                <a:gsLst>
-                  <a:gs pos="0">
-                    <a:srgbClr val="FFFFFF"/>
-                  </a:gs>
-                  <a:gs pos="100000">
-                    <a:srgbClr val="FFFFFF"/>
-                  </a:gs>
-                </a:gsLst>
-                <a:lin ang="5400000" scaled="1"/>
-                <a:tileRect/>
-              </a:gradFill>
-              <a:latin typeface="나눔고딕"/>
-              <a:ea typeface="나눔고딕"/>
-              <a:cs typeface="+mn-cs"/>
-            </a:endParaRPr>
-          </a:p>
-        </p:txBody>
-      </p:sp>
       <p:sp>
         <p:nvSpPr>
           <p:cNvPr id="5" name="slide2_shape3"/>
